--- a/ppt 16-9/1218.主恩奇妙.pptx
+++ b/ppt 16-9/1218.主恩奇妙.pptx
@@ -129,7 +129,7 @@
           <p:cNvPr id="2" name="标题 1">
             <a:extLst>
               <a:ext uri="{FF2B5EF4-FFF2-40B4-BE49-F238E27FC236}">
-                <a16:creationId xmlns:a16="http://schemas.microsoft.com/office/drawing/2014/main" id="{203E29C5-E864-CE58-3016-BED94A4BCE22}"/>
+                <a16:creationId xmlns:a16="http://schemas.microsoft.com/office/drawing/2014/main" id="{79AB88A8-E3F7-093E-5E2C-37A18B368E80}"/>
               </a:ext>
             </a:extLst>
           </p:cNvPr>
@@ -166,7 +166,7 @@
           <p:cNvPr id="3" name="副标题 2">
             <a:extLst>
               <a:ext uri="{FF2B5EF4-FFF2-40B4-BE49-F238E27FC236}">
-                <a16:creationId xmlns:a16="http://schemas.microsoft.com/office/drawing/2014/main" id="{D5742817-D217-EC9D-000C-56AC1BB14DF1}"/>
+                <a16:creationId xmlns:a16="http://schemas.microsoft.com/office/drawing/2014/main" id="{F8E75E0C-59E2-2E50-B305-38F9A9A1B2F3}"/>
               </a:ext>
             </a:extLst>
           </p:cNvPr>
@@ -236,7 +236,7 @@
           <p:cNvPr id="4" name="日期占位符 3">
             <a:extLst>
               <a:ext uri="{FF2B5EF4-FFF2-40B4-BE49-F238E27FC236}">
-                <a16:creationId xmlns:a16="http://schemas.microsoft.com/office/drawing/2014/main" id="{F17748C2-F672-509B-4711-C9C9C73977C8}"/>
+                <a16:creationId xmlns:a16="http://schemas.microsoft.com/office/drawing/2014/main" id="{56149F22-B452-F279-1F18-6BB096B0ED85}"/>
               </a:ext>
             </a:extLst>
           </p:cNvPr>
@@ -252,7 +252,7 @@
           <a:bodyPr/>
           <a:lstStyle/>
           <a:p>
-            <a:fld id="{FA5BC893-9608-4FE7-914A-5FF2508BD498}" type="datetimeFigureOut">
+            <a:fld id="{C341124C-42E3-460A-8733-7BC2852FE90F}" type="datetimeFigureOut">
               <a:rPr lang="zh-CN" altLang="en-US" smtClean="0"/>
               <a:t>2024/3/10</a:t>
             </a:fld>
@@ -265,7 +265,7 @@
           <p:cNvPr id="5" name="页脚占位符 4">
             <a:extLst>
               <a:ext uri="{FF2B5EF4-FFF2-40B4-BE49-F238E27FC236}">
-                <a16:creationId xmlns:a16="http://schemas.microsoft.com/office/drawing/2014/main" id="{7F939C16-4F5C-AA7F-44B8-C46B4A138ABE}"/>
+                <a16:creationId xmlns:a16="http://schemas.microsoft.com/office/drawing/2014/main" id="{969BF41D-AE54-D427-B72C-AA41405EBCD1}"/>
               </a:ext>
             </a:extLst>
           </p:cNvPr>
@@ -290,7 +290,7 @@
           <p:cNvPr id="6" name="灯片编号占位符 5">
             <a:extLst>
               <a:ext uri="{FF2B5EF4-FFF2-40B4-BE49-F238E27FC236}">
-                <a16:creationId xmlns:a16="http://schemas.microsoft.com/office/drawing/2014/main" id="{16F78EB4-A2F4-0BDC-9C49-5142D1846A70}"/>
+                <a16:creationId xmlns:a16="http://schemas.microsoft.com/office/drawing/2014/main" id="{6C116FC4-DF34-E69D-4E34-76F649257347}"/>
               </a:ext>
             </a:extLst>
           </p:cNvPr>
@@ -306,7 +306,7 @@
           <a:bodyPr/>
           <a:lstStyle/>
           <a:p>
-            <a:fld id="{1368F7DB-D74A-469E-94D0-207BDA1A6EC2}" type="slidenum">
+            <a:fld id="{09AA380E-8BF5-4416-896F-B60F6CE78975}" type="slidenum">
               <a:rPr lang="zh-CN" altLang="en-US" smtClean="0"/>
               <a:t>‹#›</a:t>
             </a:fld>
@@ -317,7 +317,7 @@
     </p:spTree>
     <p:extLst>
       <p:ext uri="{BB962C8B-B14F-4D97-AF65-F5344CB8AC3E}">
-        <p14:creationId xmlns:p14="http://schemas.microsoft.com/office/powerpoint/2010/main" val="1503028802"/>
+        <p14:creationId xmlns:p14="http://schemas.microsoft.com/office/powerpoint/2010/main" val="3078454100"/>
       </p:ext>
     </p:extLst>
   </p:cSld>
@@ -349,7 +349,7 @@
           <p:cNvPr id="2" name="标题 1">
             <a:extLst>
               <a:ext uri="{FF2B5EF4-FFF2-40B4-BE49-F238E27FC236}">
-                <a16:creationId xmlns:a16="http://schemas.microsoft.com/office/drawing/2014/main" id="{C058807E-AB35-DD89-3C9A-8A19589C606E}"/>
+                <a16:creationId xmlns:a16="http://schemas.microsoft.com/office/drawing/2014/main" id="{44CEC92E-00EF-DD55-96C3-734384B79EB4}"/>
               </a:ext>
             </a:extLst>
           </p:cNvPr>
@@ -377,7 +377,7 @@
           <p:cNvPr id="3" name="竖排文字占位符 2">
             <a:extLst>
               <a:ext uri="{FF2B5EF4-FFF2-40B4-BE49-F238E27FC236}">
-                <a16:creationId xmlns:a16="http://schemas.microsoft.com/office/drawing/2014/main" id="{C87EE1DD-0F8D-B94A-6E3A-91AF8BB260C2}"/>
+                <a16:creationId xmlns:a16="http://schemas.microsoft.com/office/drawing/2014/main" id="{00EA1222-4307-E4AD-7FC8-477DF807CC20}"/>
               </a:ext>
             </a:extLst>
           </p:cNvPr>
@@ -434,7 +434,7 @@
           <p:cNvPr id="4" name="日期占位符 3">
             <a:extLst>
               <a:ext uri="{FF2B5EF4-FFF2-40B4-BE49-F238E27FC236}">
-                <a16:creationId xmlns:a16="http://schemas.microsoft.com/office/drawing/2014/main" id="{5367CBCA-A244-DEA8-C0D0-5286A18C9C5C}"/>
+                <a16:creationId xmlns:a16="http://schemas.microsoft.com/office/drawing/2014/main" id="{FAD393C3-1D65-FD06-9A0D-CAB340A97A1B}"/>
               </a:ext>
             </a:extLst>
           </p:cNvPr>
@@ -450,7 +450,7 @@
           <a:bodyPr/>
           <a:lstStyle/>
           <a:p>
-            <a:fld id="{FA5BC893-9608-4FE7-914A-5FF2508BD498}" type="datetimeFigureOut">
+            <a:fld id="{C341124C-42E3-460A-8733-7BC2852FE90F}" type="datetimeFigureOut">
               <a:rPr lang="zh-CN" altLang="en-US" smtClean="0"/>
               <a:t>2024/3/10</a:t>
             </a:fld>
@@ -463,7 +463,7 @@
           <p:cNvPr id="5" name="页脚占位符 4">
             <a:extLst>
               <a:ext uri="{FF2B5EF4-FFF2-40B4-BE49-F238E27FC236}">
-                <a16:creationId xmlns:a16="http://schemas.microsoft.com/office/drawing/2014/main" id="{45FE9DE3-9627-EE23-7B5E-F232112AB45A}"/>
+                <a16:creationId xmlns:a16="http://schemas.microsoft.com/office/drawing/2014/main" id="{DA36E6FB-C019-B932-8BE1-148CB924EFD8}"/>
               </a:ext>
             </a:extLst>
           </p:cNvPr>
@@ -488,7 +488,7 @@
           <p:cNvPr id="6" name="灯片编号占位符 5">
             <a:extLst>
               <a:ext uri="{FF2B5EF4-FFF2-40B4-BE49-F238E27FC236}">
-                <a16:creationId xmlns:a16="http://schemas.microsoft.com/office/drawing/2014/main" id="{B71AAB4E-F915-C39F-D4D9-5D926CA49F1D}"/>
+                <a16:creationId xmlns:a16="http://schemas.microsoft.com/office/drawing/2014/main" id="{F6BC1682-B40D-FED6-538B-2EF50EFC4169}"/>
               </a:ext>
             </a:extLst>
           </p:cNvPr>
@@ -504,7 +504,7 @@
           <a:bodyPr/>
           <a:lstStyle/>
           <a:p>
-            <a:fld id="{1368F7DB-D74A-469E-94D0-207BDA1A6EC2}" type="slidenum">
+            <a:fld id="{09AA380E-8BF5-4416-896F-B60F6CE78975}" type="slidenum">
               <a:rPr lang="zh-CN" altLang="en-US" smtClean="0"/>
               <a:t>‹#›</a:t>
             </a:fld>
@@ -515,7 +515,7 @@
     </p:spTree>
     <p:extLst>
       <p:ext uri="{BB962C8B-B14F-4D97-AF65-F5344CB8AC3E}">
-        <p14:creationId xmlns:p14="http://schemas.microsoft.com/office/powerpoint/2010/main" val="2933773475"/>
+        <p14:creationId xmlns:p14="http://schemas.microsoft.com/office/powerpoint/2010/main" val="1353674146"/>
       </p:ext>
     </p:extLst>
   </p:cSld>
@@ -547,7 +547,7 @@
           <p:cNvPr id="2" name="竖排标题 1">
             <a:extLst>
               <a:ext uri="{FF2B5EF4-FFF2-40B4-BE49-F238E27FC236}">
-                <a16:creationId xmlns:a16="http://schemas.microsoft.com/office/drawing/2014/main" id="{7BBA4C84-CE69-62B3-CB2B-2CFB74698690}"/>
+                <a16:creationId xmlns:a16="http://schemas.microsoft.com/office/drawing/2014/main" id="{43D3E29E-5CE5-370F-4E11-BD483E5B21B8}"/>
               </a:ext>
             </a:extLst>
           </p:cNvPr>
@@ -580,7 +580,7 @@
           <p:cNvPr id="3" name="竖排文字占位符 2">
             <a:extLst>
               <a:ext uri="{FF2B5EF4-FFF2-40B4-BE49-F238E27FC236}">
-                <a16:creationId xmlns:a16="http://schemas.microsoft.com/office/drawing/2014/main" id="{2D5DCB5F-9861-98E5-4C8B-38C4ED23E044}"/>
+                <a16:creationId xmlns:a16="http://schemas.microsoft.com/office/drawing/2014/main" id="{DE3014F7-BE2C-A326-7D73-C43B377BDA66}"/>
               </a:ext>
             </a:extLst>
           </p:cNvPr>
@@ -642,7 +642,7 @@
           <p:cNvPr id="4" name="日期占位符 3">
             <a:extLst>
               <a:ext uri="{FF2B5EF4-FFF2-40B4-BE49-F238E27FC236}">
-                <a16:creationId xmlns:a16="http://schemas.microsoft.com/office/drawing/2014/main" id="{ABF628CE-F8BC-3B88-FD4E-8A86D56C9382}"/>
+                <a16:creationId xmlns:a16="http://schemas.microsoft.com/office/drawing/2014/main" id="{27AB3F77-A76A-0A91-5D86-38FDC3CC02E1}"/>
               </a:ext>
             </a:extLst>
           </p:cNvPr>
@@ -658,7 +658,7 @@
           <a:bodyPr/>
           <a:lstStyle/>
           <a:p>
-            <a:fld id="{FA5BC893-9608-4FE7-914A-5FF2508BD498}" type="datetimeFigureOut">
+            <a:fld id="{C341124C-42E3-460A-8733-7BC2852FE90F}" type="datetimeFigureOut">
               <a:rPr lang="zh-CN" altLang="en-US" smtClean="0"/>
               <a:t>2024/3/10</a:t>
             </a:fld>
@@ -671,7 +671,7 @@
           <p:cNvPr id="5" name="页脚占位符 4">
             <a:extLst>
               <a:ext uri="{FF2B5EF4-FFF2-40B4-BE49-F238E27FC236}">
-                <a16:creationId xmlns:a16="http://schemas.microsoft.com/office/drawing/2014/main" id="{6FB14B47-0783-C7E2-AE43-174FA73C7CBF}"/>
+                <a16:creationId xmlns:a16="http://schemas.microsoft.com/office/drawing/2014/main" id="{1898F9B9-B6C4-AB3F-3840-BF8BA24C89F3}"/>
               </a:ext>
             </a:extLst>
           </p:cNvPr>
@@ -696,7 +696,7 @@
           <p:cNvPr id="6" name="灯片编号占位符 5">
             <a:extLst>
               <a:ext uri="{FF2B5EF4-FFF2-40B4-BE49-F238E27FC236}">
-                <a16:creationId xmlns:a16="http://schemas.microsoft.com/office/drawing/2014/main" id="{AEDDA8D3-16B7-92AD-4E2F-F0B64A0666D8}"/>
+                <a16:creationId xmlns:a16="http://schemas.microsoft.com/office/drawing/2014/main" id="{14AE2813-AB6A-275D-07F3-7E09D52CCC86}"/>
               </a:ext>
             </a:extLst>
           </p:cNvPr>
@@ -712,7 +712,7 @@
           <a:bodyPr/>
           <a:lstStyle/>
           <a:p>
-            <a:fld id="{1368F7DB-D74A-469E-94D0-207BDA1A6EC2}" type="slidenum">
+            <a:fld id="{09AA380E-8BF5-4416-896F-B60F6CE78975}" type="slidenum">
               <a:rPr lang="zh-CN" altLang="en-US" smtClean="0"/>
               <a:t>‹#›</a:t>
             </a:fld>
@@ -723,7 +723,7 @@
     </p:spTree>
     <p:extLst>
       <p:ext uri="{BB962C8B-B14F-4D97-AF65-F5344CB8AC3E}">
-        <p14:creationId xmlns:p14="http://schemas.microsoft.com/office/powerpoint/2010/main" val="2172661579"/>
+        <p14:creationId xmlns:p14="http://schemas.microsoft.com/office/powerpoint/2010/main" val="1956873467"/>
       </p:ext>
     </p:extLst>
   </p:cSld>
@@ -755,7 +755,7 @@
           <p:cNvPr id="2" name="标题 1">
             <a:extLst>
               <a:ext uri="{FF2B5EF4-FFF2-40B4-BE49-F238E27FC236}">
-                <a16:creationId xmlns:a16="http://schemas.microsoft.com/office/drawing/2014/main" id="{8E40092A-4A2F-7491-5477-B0F4FAFB92E9}"/>
+                <a16:creationId xmlns:a16="http://schemas.microsoft.com/office/drawing/2014/main" id="{BE9158D7-9795-CBAC-9EA7-A1B5A9E65B27}"/>
               </a:ext>
             </a:extLst>
           </p:cNvPr>
@@ -783,7 +783,7 @@
           <p:cNvPr id="3" name="内容占位符 2">
             <a:extLst>
               <a:ext uri="{FF2B5EF4-FFF2-40B4-BE49-F238E27FC236}">
-                <a16:creationId xmlns:a16="http://schemas.microsoft.com/office/drawing/2014/main" id="{CF557DA4-AB7F-9F0E-24C0-D62CF4AA0F3D}"/>
+                <a16:creationId xmlns:a16="http://schemas.microsoft.com/office/drawing/2014/main" id="{44B84E54-4BCA-F4BA-1C12-B6BD7E775B49}"/>
               </a:ext>
             </a:extLst>
           </p:cNvPr>
@@ -840,7 +840,7 @@
           <p:cNvPr id="4" name="日期占位符 3">
             <a:extLst>
               <a:ext uri="{FF2B5EF4-FFF2-40B4-BE49-F238E27FC236}">
-                <a16:creationId xmlns:a16="http://schemas.microsoft.com/office/drawing/2014/main" id="{1E05BA05-C6D0-EC0A-050F-777017110225}"/>
+                <a16:creationId xmlns:a16="http://schemas.microsoft.com/office/drawing/2014/main" id="{2DF593B5-2D5C-A0F0-12D8-E9B633A553F5}"/>
               </a:ext>
             </a:extLst>
           </p:cNvPr>
@@ -856,7 +856,7 @@
           <a:bodyPr/>
           <a:lstStyle/>
           <a:p>
-            <a:fld id="{FA5BC893-9608-4FE7-914A-5FF2508BD498}" type="datetimeFigureOut">
+            <a:fld id="{C341124C-42E3-460A-8733-7BC2852FE90F}" type="datetimeFigureOut">
               <a:rPr lang="zh-CN" altLang="en-US" smtClean="0"/>
               <a:t>2024/3/10</a:t>
             </a:fld>
@@ -869,7 +869,7 @@
           <p:cNvPr id="5" name="页脚占位符 4">
             <a:extLst>
               <a:ext uri="{FF2B5EF4-FFF2-40B4-BE49-F238E27FC236}">
-                <a16:creationId xmlns:a16="http://schemas.microsoft.com/office/drawing/2014/main" id="{129DEBF6-6B19-8994-2284-67252A14259E}"/>
+                <a16:creationId xmlns:a16="http://schemas.microsoft.com/office/drawing/2014/main" id="{2EEBA699-40AB-0EED-04CF-FFC3E9944C73}"/>
               </a:ext>
             </a:extLst>
           </p:cNvPr>
@@ -894,7 +894,7 @@
           <p:cNvPr id="6" name="灯片编号占位符 5">
             <a:extLst>
               <a:ext uri="{FF2B5EF4-FFF2-40B4-BE49-F238E27FC236}">
-                <a16:creationId xmlns:a16="http://schemas.microsoft.com/office/drawing/2014/main" id="{ED2AC559-9F19-F99E-192A-EE30E827555C}"/>
+                <a16:creationId xmlns:a16="http://schemas.microsoft.com/office/drawing/2014/main" id="{7309FB7F-EC13-E2A3-B4F6-61BDB42F00F2}"/>
               </a:ext>
             </a:extLst>
           </p:cNvPr>
@@ -910,7 +910,7 @@
           <a:bodyPr/>
           <a:lstStyle/>
           <a:p>
-            <a:fld id="{1368F7DB-D74A-469E-94D0-207BDA1A6EC2}" type="slidenum">
+            <a:fld id="{09AA380E-8BF5-4416-896F-B60F6CE78975}" type="slidenum">
               <a:rPr lang="zh-CN" altLang="en-US" smtClean="0"/>
               <a:t>‹#›</a:t>
             </a:fld>
@@ -921,7 +921,7 @@
     </p:spTree>
     <p:extLst>
       <p:ext uri="{BB962C8B-B14F-4D97-AF65-F5344CB8AC3E}">
-        <p14:creationId xmlns:p14="http://schemas.microsoft.com/office/powerpoint/2010/main" val="921910813"/>
+        <p14:creationId xmlns:p14="http://schemas.microsoft.com/office/powerpoint/2010/main" val="2616334309"/>
       </p:ext>
     </p:extLst>
   </p:cSld>
@@ -953,7 +953,7 @@
           <p:cNvPr id="2" name="标题 1">
             <a:extLst>
               <a:ext uri="{FF2B5EF4-FFF2-40B4-BE49-F238E27FC236}">
-                <a16:creationId xmlns:a16="http://schemas.microsoft.com/office/drawing/2014/main" id="{DA1F67C4-EFA7-CEEA-068D-E359F3BED372}"/>
+                <a16:creationId xmlns:a16="http://schemas.microsoft.com/office/drawing/2014/main" id="{E82D8417-9983-3FA4-9D4F-A5384904854C}"/>
               </a:ext>
             </a:extLst>
           </p:cNvPr>
@@ -990,7 +990,7 @@
           <p:cNvPr id="3" name="文本占位符 2">
             <a:extLst>
               <a:ext uri="{FF2B5EF4-FFF2-40B4-BE49-F238E27FC236}">
-                <a16:creationId xmlns:a16="http://schemas.microsoft.com/office/drawing/2014/main" id="{8DB01A7B-8246-07FB-7330-4B578CE80439}"/>
+                <a16:creationId xmlns:a16="http://schemas.microsoft.com/office/drawing/2014/main" id="{D48331CA-DD15-C191-037D-16533C53D625}"/>
               </a:ext>
             </a:extLst>
           </p:cNvPr>
@@ -1115,7 +1115,7 @@
           <p:cNvPr id="4" name="日期占位符 3">
             <a:extLst>
               <a:ext uri="{FF2B5EF4-FFF2-40B4-BE49-F238E27FC236}">
-                <a16:creationId xmlns:a16="http://schemas.microsoft.com/office/drawing/2014/main" id="{4D4B5C35-39FE-E7ED-77CF-BF7C50BFD3D0}"/>
+                <a16:creationId xmlns:a16="http://schemas.microsoft.com/office/drawing/2014/main" id="{268E2B0D-FF51-3526-7EF6-687757A20943}"/>
               </a:ext>
             </a:extLst>
           </p:cNvPr>
@@ -1131,7 +1131,7 @@
           <a:bodyPr/>
           <a:lstStyle/>
           <a:p>
-            <a:fld id="{FA5BC893-9608-4FE7-914A-5FF2508BD498}" type="datetimeFigureOut">
+            <a:fld id="{C341124C-42E3-460A-8733-7BC2852FE90F}" type="datetimeFigureOut">
               <a:rPr lang="zh-CN" altLang="en-US" smtClean="0"/>
               <a:t>2024/3/10</a:t>
             </a:fld>
@@ -1144,7 +1144,7 @@
           <p:cNvPr id="5" name="页脚占位符 4">
             <a:extLst>
               <a:ext uri="{FF2B5EF4-FFF2-40B4-BE49-F238E27FC236}">
-                <a16:creationId xmlns:a16="http://schemas.microsoft.com/office/drawing/2014/main" id="{E30820FB-431F-D34C-014D-41DB84721460}"/>
+                <a16:creationId xmlns:a16="http://schemas.microsoft.com/office/drawing/2014/main" id="{1913722A-F3A3-48C6-8626-962496A971D0}"/>
               </a:ext>
             </a:extLst>
           </p:cNvPr>
@@ -1169,7 +1169,7 @@
           <p:cNvPr id="6" name="灯片编号占位符 5">
             <a:extLst>
               <a:ext uri="{FF2B5EF4-FFF2-40B4-BE49-F238E27FC236}">
-                <a16:creationId xmlns:a16="http://schemas.microsoft.com/office/drawing/2014/main" id="{F83911A6-1D8A-67EB-3267-EDB3C3106E83}"/>
+                <a16:creationId xmlns:a16="http://schemas.microsoft.com/office/drawing/2014/main" id="{0F9899D2-51EF-A3F7-8AC6-287D60FBD811}"/>
               </a:ext>
             </a:extLst>
           </p:cNvPr>
@@ -1185,7 +1185,7 @@
           <a:bodyPr/>
           <a:lstStyle/>
           <a:p>
-            <a:fld id="{1368F7DB-D74A-469E-94D0-207BDA1A6EC2}" type="slidenum">
+            <a:fld id="{09AA380E-8BF5-4416-896F-B60F6CE78975}" type="slidenum">
               <a:rPr lang="zh-CN" altLang="en-US" smtClean="0"/>
               <a:t>‹#›</a:t>
             </a:fld>
@@ -1196,7 +1196,7 @@
     </p:spTree>
     <p:extLst>
       <p:ext uri="{BB962C8B-B14F-4D97-AF65-F5344CB8AC3E}">
-        <p14:creationId xmlns:p14="http://schemas.microsoft.com/office/powerpoint/2010/main" val="862340614"/>
+        <p14:creationId xmlns:p14="http://schemas.microsoft.com/office/powerpoint/2010/main" val="3742076171"/>
       </p:ext>
     </p:extLst>
   </p:cSld>
@@ -1228,7 +1228,7 @@
           <p:cNvPr id="2" name="标题 1">
             <a:extLst>
               <a:ext uri="{FF2B5EF4-FFF2-40B4-BE49-F238E27FC236}">
-                <a16:creationId xmlns:a16="http://schemas.microsoft.com/office/drawing/2014/main" id="{A6DACD36-C139-FAC9-57BC-4D0C32D2B0DD}"/>
+                <a16:creationId xmlns:a16="http://schemas.microsoft.com/office/drawing/2014/main" id="{CE257069-AC49-CE4C-7650-2E66C1FE7ACC}"/>
               </a:ext>
             </a:extLst>
           </p:cNvPr>
@@ -1256,7 +1256,7 @@
           <p:cNvPr id="3" name="内容占位符 2">
             <a:extLst>
               <a:ext uri="{FF2B5EF4-FFF2-40B4-BE49-F238E27FC236}">
-                <a16:creationId xmlns:a16="http://schemas.microsoft.com/office/drawing/2014/main" id="{4B486CCD-8AE7-D79B-2439-634930AE7765}"/>
+                <a16:creationId xmlns:a16="http://schemas.microsoft.com/office/drawing/2014/main" id="{B9908161-858C-F0C3-DC00-86593B31C562}"/>
               </a:ext>
             </a:extLst>
           </p:cNvPr>
@@ -1318,7 +1318,7 @@
           <p:cNvPr id="4" name="内容占位符 3">
             <a:extLst>
               <a:ext uri="{FF2B5EF4-FFF2-40B4-BE49-F238E27FC236}">
-                <a16:creationId xmlns:a16="http://schemas.microsoft.com/office/drawing/2014/main" id="{800E8128-56E1-CF1A-43DA-E89080871E6E}"/>
+                <a16:creationId xmlns:a16="http://schemas.microsoft.com/office/drawing/2014/main" id="{6AEC7A43-D277-6880-109F-11F9E4899373}"/>
               </a:ext>
             </a:extLst>
           </p:cNvPr>
@@ -1380,7 +1380,7 @@
           <p:cNvPr id="5" name="日期占位符 4">
             <a:extLst>
               <a:ext uri="{FF2B5EF4-FFF2-40B4-BE49-F238E27FC236}">
-                <a16:creationId xmlns:a16="http://schemas.microsoft.com/office/drawing/2014/main" id="{E5502C62-A7F3-DABE-1DDF-935364027AE4}"/>
+                <a16:creationId xmlns:a16="http://schemas.microsoft.com/office/drawing/2014/main" id="{390653D8-ACA4-5C34-07CF-4EB80CDE6026}"/>
               </a:ext>
             </a:extLst>
           </p:cNvPr>
@@ -1396,7 +1396,7 @@
           <a:bodyPr/>
           <a:lstStyle/>
           <a:p>
-            <a:fld id="{FA5BC893-9608-4FE7-914A-5FF2508BD498}" type="datetimeFigureOut">
+            <a:fld id="{C341124C-42E3-460A-8733-7BC2852FE90F}" type="datetimeFigureOut">
               <a:rPr lang="zh-CN" altLang="en-US" smtClean="0"/>
               <a:t>2024/3/10</a:t>
             </a:fld>
@@ -1409,7 +1409,7 @@
           <p:cNvPr id="6" name="页脚占位符 5">
             <a:extLst>
               <a:ext uri="{FF2B5EF4-FFF2-40B4-BE49-F238E27FC236}">
-                <a16:creationId xmlns:a16="http://schemas.microsoft.com/office/drawing/2014/main" id="{5D9A7F86-F591-241C-217B-E84E864FECD2}"/>
+                <a16:creationId xmlns:a16="http://schemas.microsoft.com/office/drawing/2014/main" id="{C1DDFEFE-0D5C-3364-5223-24E85058FA7D}"/>
               </a:ext>
             </a:extLst>
           </p:cNvPr>
@@ -1434,7 +1434,7 @@
           <p:cNvPr id="7" name="灯片编号占位符 6">
             <a:extLst>
               <a:ext uri="{FF2B5EF4-FFF2-40B4-BE49-F238E27FC236}">
-                <a16:creationId xmlns:a16="http://schemas.microsoft.com/office/drawing/2014/main" id="{F5482D1E-4271-9DC4-6E33-33858DB44DF9}"/>
+                <a16:creationId xmlns:a16="http://schemas.microsoft.com/office/drawing/2014/main" id="{F7E05171-66F5-58E5-1D51-1EB08E534612}"/>
               </a:ext>
             </a:extLst>
           </p:cNvPr>
@@ -1450,7 +1450,7 @@
           <a:bodyPr/>
           <a:lstStyle/>
           <a:p>
-            <a:fld id="{1368F7DB-D74A-469E-94D0-207BDA1A6EC2}" type="slidenum">
+            <a:fld id="{09AA380E-8BF5-4416-896F-B60F6CE78975}" type="slidenum">
               <a:rPr lang="zh-CN" altLang="en-US" smtClean="0"/>
               <a:t>‹#›</a:t>
             </a:fld>
@@ -1461,7 +1461,7 @@
     </p:spTree>
     <p:extLst>
       <p:ext uri="{BB962C8B-B14F-4D97-AF65-F5344CB8AC3E}">
-        <p14:creationId xmlns:p14="http://schemas.microsoft.com/office/powerpoint/2010/main" val="1301904323"/>
+        <p14:creationId xmlns:p14="http://schemas.microsoft.com/office/powerpoint/2010/main" val="374120923"/>
       </p:ext>
     </p:extLst>
   </p:cSld>
@@ -1493,7 +1493,7 @@
           <p:cNvPr id="2" name="标题 1">
             <a:extLst>
               <a:ext uri="{FF2B5EF4-FFF2-40B4-BE49-F238E27FC236}">
-                <a16:creationId xmlns:a16="http://schemas.microsoft.com/office/drawing/2014/main" id="{0FDF12AB-FBA1-5204-7388-0AFED039ED77}"/>
+                <a16:creationId xmlns:a16="http://schemas.microsoft.com/office/drawing/2014/main" id="{FA44671E-6BC9-A54E-BDB6-B23D0A58F9F2}"/>
               </a:ext>
             </a:extLst>
           </p:cNvPr>
@@ -1526,7 +1526,7 @@
           <p:cNvPr id="3" name="文本占位符 2">
             <a:extLst>
               <a:ext uri="{FF2B5EF4-FFF2-40B4-BE49-F238E27FC236}">
-                <a16:creationId xmlns:a16="http://schemas.microsoft.com/office/drawing/2014/main" id="{27F2237D-4ACF-96BF-CD05-54FAE3B5BAD6}"/>
+                <a16:creationId xmlns:a16="http://schemas.microsoft.com/office/drawing/2014/main" id="{25D51F81-A53A-1C4D-FCC7-F390BBD51016}"/>
               </a:ext>
             </a:extLst>
           </p:cNvPr>
@@ -1597,7 +1597,7 @@
           <p:cNvPr id="4" name="内容占位符 3">
             <a:extLst>
               <a:ext uri="{FF2B5EF4-FFF2-40B4-BE49-F238E27FC236}">
-                <a16:creationId xmlns:a16="http://schemas.microsoft.com/office/drawing/2014/main" id="{9BB227EB-F883-16D1-A57D-9333EA29AC7D}"/>
+                <a16:creationId xmlns:a16="http://schemas.microsoft.com/office/drawing/2014/main" id="{AF628AA3-4CA6-0B02-C476-6C85AFE4A431}"/>
               </a:ext>
             </a:extLst>
           </p:cNvPr>
@@ -1659,7 +1659,7 @@
           <p:cNvPr id="5" name="文本占位符 4">
             <a:extLst>
               <a:ext uri="{FF2B5EF4-FFF2-40B4-BE49-F238E27FC236}">
-                <a16:creationId xmlns:a16="http://schemas.microsoft.com/office/drawing/2014/main" id="{11D31F3B-C2D7-34B7-B781-0F3019F6107B}"/>
+                <a16:creationId xmlns:a16="http://schemas.microsoft.com/office/drawing/2014/main" id="{0E6ED72E-CB17-9233-4A2F-610716C3C37B}"/>
               </a:ext>
             </a:extLst>
           </p:cNvPr>
@@ -1730,7 +1730,7 @@
           <p:cNvPr id="6" name="内容占位符 5">
             <a:extLst>
               <a:ext uri="{FF2B5EF4-FFF2-40B4-BE49-F238E27FC236}">
-                <a16:creationId xmlns:a16="http://schemas.microsoft.com/office/drawing/2014/main" id="{C98DF603-D765-6F7E-B58F-70433309E4E6}"/>
+                <a16:creationId xmlns:a16="http://schemas.microsoft.com/office/drawing/2014/main" id="{DEBF40C7-728D-1622-CB7C-5E3A03CC5F53}"/>
               </a:ext>
             </a:extLst>
           </p:cNvPr>
@@ -1792,7 +1792,7 @@
           <p:cNvPr id="7" name="日期占位符 6">
             <a:extLst>
               <a:ext uri="{FF2B5EF4-FFF2-40B4-BE49-F238E27FC236}">
-                <a16:creationId xmlns:a16="http://schemas.microsoft.com/office/drawing/2014/main" id="{BDD8DBCF-0655-9761-0438-39F4AD6DBF65}"/>
+                <a16:creationId xmlns:a16="http://schemas.microsoft.com/office/drawing/2014/main" id="{E2AE0EA3-DC6B-EBD2-1FE1-82649D634DB2}"/>
               </a:ext>
             </a:extLst>
           </p:cNvPr>
@@ -1808,7 +1808,7 @@
           <a:bodyPr/>
           <a:lstStyle/>
           <a:p>
-            <a:fld id="{FA5BC893-9608-4FE7-914A-5FF2508BD498}" type="datetimeFigureOut">
+            <a:fld id="{C341124C-42E3-460A-8733-7BC2852FE90F}" type="datetimeFigureOut">
               <a:rPr lang="zh-CN" altLang="en-US" smtClean="0"/>
               <a:t>2024/3/10</a:t>
             </a:fld>
@@ -1821,7 +1821,7 @@
           <p:cNvPr id="8" name="页脚占位符 7">
             <a:extLst>
               <a:ext uri="{FF2B5EF4-FFF2-40B4-BE49-F238E27FC236}">
-                <a16:creationId xmlns:a16="http://schemas.microsoft.com/office/drawing/2014/main" id="{B05A7A42-3D27-4D44-B4C1-359B544115F0}"/>
+                <a16:creationId xmlns:a16="http://schemas.microsoft.com/office/drawing/2014/main" id="{528705C9-2029-37E9-8992-9BBFB36D4E28}"/>
               </a:ext>
             </a:extLst>
           </p:cNvPr>
@@ -1846,7 +1846,7 @@
           <p:cNvPr id="9" name="灯片编号占位符 8">
             <a:extLst>
               <a:ext uri="{FF2B5EF4-FFF2-40B4-BE49-F238E27FC236}">
-                <a16:creationId xmlns:a16="http://schemas.microsoft.com/office/drawing/2014/main" id="{F5348AC7-7AC1-8AF9-B2ED-8FC03A762792}"/>
+                <a16:creationId xmlns:a16="http://schemas.microsoft.com/office/drawing/2014/main" id="{4FFA5DDC-837A-0A1A-E26C-3F510378AACB}"/>
               </a:ext>
             </a:extLst>
           </p:cNvPr>
@@ -1862,7 +1862,7 @@
           <a:bodyPr/>
           <a:lstStyle/>
           <a:p>
-            <a:fld id="{1368F7DB-D74A-469E-94D0-207BDA1A6EC2}" type="slidenum">
+            <a:fld id="{09AA380E-8BF5-4416-896F-B60F6CE78975}" type="slidenum">
               <a:rPr lang="zh-CN" altLang="en-US" smtClean="0"/>
               <a:t>‹#›</a:t>
             </a:fld>
@@ -1873,7 +1873,7 @@
     </p:spTree>
     <p:extLst>
       <p:ext uri="{BB962C8B-B14F-4D97-AF65-F5344CB8AC3E}">
-        <p14:creationId xmlns:p14="http://schemas.microsoft.com/office/powerpoint/2010/main" val="1901645895"/>
+        <p14:creationId xmlns:p14="http://schemas.microsoft.com/office/powerpoint/2010/main" val="3721731241"/>
       </p:ext>
     </p:extLst>
   </p:cSld>
@@ -1905,7 +1905,7 @@
           <p:cNvPr id="2" name="标题 1">
             <a:extLst>
               <a:ext uri="{FF2B5EF4-FFF2-40B4-BE49-F238E27FC236}">
-                <a16:creationId xmlns:a16="http://schemas.microsoft.com/office/drawing/2014/main" id="{9FF8AAF9-6B34-A04A-0593-D115619243AF}"/>
+                <a16:creationId xmlns:a16="http://schemas.microsoft.com/office/drawing/2014/main" id="{5618D701-F111-A3E7-0DBB-8040239A7118}"/>
               </a:ext>
             </a:extLst>
           </p:cNvPr>
@@ -1933,7 +1933,7 @@
           <p:cNvPr id="3" name="日期占位符 2">
             <a:extLst>
               <a:ext uri="{FF2B5EF4-FFF2-40B4-BE49-F238E27FC236}">
-                <a16:creationId xmlns:a16="http://schemas.microsoft.com/office/drawing/2014/main" id="{E11BDAD8-F7C3-B893-E8CE-8D2D915ECB83}"/>
+                <a16:creationId xmlns:a16="http://schemas.microsoft.com/office/drawing/2014/main" id="{908CFF66-8D3D-B6A4-DCDE-B24675271312}"/>
               </a:ext>
             </a:extLst>
           </p:cNvPr>
@@ -1949,7 +1949,7 @@
           <a:bodyPr/>
           <a:lstStyle/>
           <a:p>
-            <a:fld id="{FA5BC893-9608-4FE7-914A-5FF2508BD498}" type="datetimeFigureOut">
+            <a:fld id="{C341124C-42E3-460A-8733-7BC2852FE90F}" type="datetimeFigureOut">
               <a:rPr lang="zh-CN" altLang="en-US" smtClean="0"/>
               <a:t>2024/3/10</a:t>
             </a:fld>
@@ -1962,7 +1962,7 @@
           <p:cNvPr id="4" name="页脚占位符 3">
             <a:extLst>
               <a:ext uri="{FF2B5EF4-FFF2-40B4-BE49-F238E27FC236}">
-                <a16:creationId xmlns:a16="http://schemas.microsoft.com/office/drawing/2014/main" id="{6F9FA926-00F2-F636-389E-3FF7F09F5853}"/>
+                <a16:creationId xmlns:a16="http://schemas.microsoft.com/office/drawing/2014/main" id="{E611C469-4380-0D49-FFD4-9DE237728301}"/>
               </a:ext>
             </a:extLst>
           </p:cNvPr>
@@ -1987,7 +1987,7 @@
           <p:cNvPr id="5" name="灯片编号占位符 4">
             <a:extLst>
               <a:ext uri="{FF2B5EF4-FFF2-40B4-BE49-F238E27FC236}">
-                <a16:creationId xmlns:a16="http://schemas.microsoft.com/office/drawing/2014/main" id="{5B05FAB0-6548-E013-4336-8AE9231FDE5C}"/>
+                <a16:creationId xmlns:a16="http://schemas.microsoft.com/office/drawing/2014/main" id="{453EAF9B-5728-5F8A-5725-809EBB9E261F}"/>
               </a:ext>
             </a:extLst>
           </p:cNvPr>
@@ -2003,7 +2003,7 @@
           <a:bodyPr/>
           <a:lstStyle/>
           <a:p>
-            <a:fld id="{1368F7DB-D74A-469E-94D0-207BDA1A6EC2}" type="slidenum">
+            <a:fld id="{09AA380E-8BF5-4416-896F-B60F6CE78975}" type="slidenum">
               <a:rPr lang="zh-CN" altLang="en-US" smtClean="0"/>
               <a:t>‹#›</a:t>
             </a:fld>
@@ -2014,7 +2014,7 @@
     </p:spTree>
     <p:extLst>
       <p:ext uri="{BB962C8B-B14F-4D97-AF65-F5344CB8AC3E}">
-        <p14:creationId xmlns:p14="http://schemas.microsoft.com/office/powerpoint/2010/main" val="1981582727"/>
+        <p14:creationId xmlns:p14="http://schemas.microsoft.com/office/powerpoint/2010/main" val="861951190"/>
       </p:ext>
     </p:extLst>
   </p:cSld>
@@ -2046,7 +2046,7 @@
           <p:cNvPr id="2" name="日期占位符 1">
             <a:extLst>
               <a:ext uri="{FF2B5EF4-FFF2-40B4-BE49-F238E27FC236}">
-                <a16:creationId xmlns:a16="http://schemas.microsoft.com/office/drawing/2014/main" id="{CF4EC80F-C272-F39C-A57C-50B20EFFCB90}"/>
+                <a16:creationId xmlns:a16="http://schemas.microsoft.com/office/drawing/2014/main" id="{FED56205-8E73-6D41-188C-BA230318E11F}"/>
               </a:ext>
             </a:extLst>
           </p:cNvPr>
@@ -2062,7 +2062,7 @@
           <a:bodyPr/>
           <a:lstStyle/>
           <a:p>
-            <a:fld id="{FA5BC893-9608-4FE7-914A-5FF2508BD498}" type="datetimeFigureOut">
+            <a:fld id="{C341124C-42E3-460A-8733-7BC2852FE90F}" type="datetimeFigureOut">
               <a:rPr lang="zh-CN" altLang="en-US" smtClean="0"/>
               <a:t>2024/3/10</a:t>
             </a:fld>
@@ -2075,7 +2075,7 @@
           <p:cNvPr id="3" name="页脚占位符 2">
             <a:extLst>
               <a:ext uri="{FF2B5EF4-FFF2-40B4-BE49-F238E27FC236}">
-                <a16:creationId xmlns:a16="http://schemas.microsoft.com/office/drawing/2014/main" id="{8E0B3368-6F31-BDA6-91F0-D6825B1DDEC7}"/>
+                <a16:creationId xmlns:a16="http://schemas.microsoft.com/office/drawing/2014/main" id="{5A27F9F4-7839-7E12-6DC4-249BC575A66F}"/>
               </a:ext>
             </a:extLst>
           </p:cNvPr>
@@ -2100,7 +2100,7 @@
           <p:cNvPr id="4" name="灯片编号占位符 3">
             <a:extLst>
               <a:ext uri="{FF2B5EF4-FFF2-40B4-BE49-F238E27FC236}">
-                <a16:creationId xmlns:a16="http://schemas.microsoft.com/office/drawing/2014/main" id="{D7CC6F58-7F12-9013-0948-415F0042B756}"/>
+                <a16:creationId xmlns:a16="http://schemas.microsoft.com/office/drawing/2014/main" id="{BBD70E23-EC63-AA9E-6EFC-9ECB061C4D57}"/>
               </a:ext>
             </a:extLst>
           </p:cNvPr>
@@ -2116,7 +2116,7 @@
           <a:bodyPr/>
           <a:lstStyle/>
           <a:p>
-            <a:fld id="{1368F7DB-D74A-469E-94D0-207BDA1A6EC2}" type="slidenum">
+            <a:fld id="{09AA380E-8BF5-4416-896F-B60F6CE78975}" type="slidenum">
               <a:rPr lang="zh-CN" altLang="en-US" smtClean="0"/>
               <a:t>‹#›</a:t>
             </a:fld>
@@ -2127,7 +2127,7 @@
     </p:spTree>
     <p:extLst>
       <p:ext uri="{BB962C8B-B14F-4D97-AF65-F5344CB8AC3E}">
-        <p14:creationId xmlns:p14="http://schemas.microsoft.com/office/powerpoint/2010/main" val="1273435214"/>
+        <p14:creationId xmlns:p14="http://schemas.microsoft.com/office/powerpoint/2010/main" val="2523916471"/>
       </p:ext>
     </p:extLst>
   </p:cSld>
@@ -2159,7 +2159,7 @@
           <p:cNvPr id="2" name="标题 1">
             <a:extLst>
               <a:ext uri="{FF2B5EF4-FFF2-40B4-BE49-F238E27FC236}">
-                <a16:creationId xmlns:a16="http://schemas.microsoft.com/office/drawing/2014/main" id="{EEB74396-C414-9FC9-F3B2-8F512178C9AE}"/>
+                <a16:creationId xmlns:a16="http://schemas.microsoft.com/office/drawing/2014/main" id="{48FC9F0F-3DE1-E16B-848D-9E79391EC8FF}"/>
               </a:ext>
             </a:extLst>
           </p:cNvPr>
@@ -2196,7 +2196,7 @@
           <p:cNvPr id="3" name="内容占位符 2">
             <a:extLst>
               <a:ext uri="{FF2B5EF4-FFF2-40B4-BE49-F238E27FC236}">
-                <a16:creationId xmlns:a16="http://schemas.microsoft.com/office/drawing/2014/main" id="{EC8DBFBD-26D6-30D9-3FFF-1FAA380254E3}"/>
+                <a16:creationId xmlns:a16="http://schemas.microsoft.com/office/drawing/2014/main" id="{DCE08A2E-5282-10DA-21E9-D4B032C3F67F}"/>
               </a:ext>
             </a:extLst>
           </p:cNvPr>
@@ -2286,7 +2286,7 @@
           <p:cNvPr id="4" name="文本占位符 3">
             <a:extLst>
               <a:ext uri="{FF2B5EF4-FFF2-40B4-BE49-F238E27FC236}">
-                <a16:creationId xmlns:a16="http://schemas.microsoft.com/office/drawing/2014/main" id="{A5FD4064-6678-AE75-C507-51C69EABAC0D}"/>
+                <a16:creationId xmlns:a16="http://schemas.microsoft.com/office/drawing/2014/main" id="{2BDEC98B-D08E-93A2-0F90-3A245BB8A6ED}"/>
               </a:ext>
             </a:extLst>
           </p:cNvPr>
@@ -2357,7 +2357,7 @@
           <p:cNvPr id="5" name="日期占位符 4">
             <a:extLst>
               <a:ext uri="{FF2B5EF4-FFF2-40B4-BE49-F238E27FC236}">
-                <a16:creationId xmlns:a16="http://schemas.microsoft.com/office/drawing/2014/main" id="{7B54C0A3-C6BF-55C6-5335-FA26382B7887}"/>
+                <a16:creationId xmlns:a16="http://schemas.microsoft.com/office/drawing/2014/main" id="{010F7416-3AAB-1D1C-A340-B6DD63F34946}"/>
               </a:ext>
             </a:extLst>
           </p:cNvPr>
@@ -2373,7 +2373,7 @@
           <a:bodyPr/>
           <a:lstStyle/>
           <a:p>
-            <a:fld id="{FA5BC893-9608-4FE7-914A-5FF2508BD498}" type="datetimeFigureOut">
+            <a:fld id="{C341124C-42E3-460A-8733-7BC2852FE90F}" type="datetimeFigureOut">
               <a:rPr lang="zh-CN" altLang="en-US" smtClean="0"/>
               <a:t>2024/3/10</a:t>
             </a:fld>
@@ -2386,7 +2386,7 @@
           <p:cNvPr id="6" name="页脚占位符 5">
             <a:extLst>
               <a:ext uri="{FF2B5EF4-FFF2-40B4-BE49-F238E27FC236}">
-                <a16:creationId xmlns:a16="http://schemas.microsoft.com/office/drawing/2014/main" id="{7866C012-76F7-3243-2012-C13F8E7108ED}"/>
+                <a16:creationId xmlns:a16="http://schemas.microsoft.com/office/drawing/2014/main" id="{F2405D17-A2D5-3169-5E98-14E4C6491835}"/>
               </a:ext>
             </a:extLst>
           </p:cNvPr>
@@ -2411,7 +2411,7 @@
           <p:cNvPr id="7" name="灯片编号占位符 6">
             <a:extLst>
               <a:ext uri="{FF2B5EF4-FFF2-40B4-BE49-F238E27FC236}">
-                <a16:creationId xmlns:a16="http://schemas.microsoft.com/office/drawing/2014/main" id="{E63E2F2E-6360-8C05-082B-0DFC0CAAC146}"/>
+                <a16:creationId xmlns:a16="http://schemas.microsoft.com/office/drawing/2014/main" id="{4879C0BD-6490-961E-4C55-626FCB919AC0}"/>
               </a:ext>
             </a:extLst>
           </p:cNvPr>
@@ -2427,7 +2427,7 @@
           <a:bodyPr/>
           <a:lstStyle/>
           <a:p>
-            <a:fld id="{1368F7DB-D74A-469E-94D0-207BDA1A6EC2}" type="slidenum">
+            <a:fld id="{09AA380E-8BF5-4416-896F-B60F6CE78975}" type="slidenum">
               <a:rPr lang="zh-CN" altLang="en-US" smtClean="0"/>
               <a:t>‹#›</a:t>
             </a:fld>
@@ -2438,7 +2438,7 @@
     </p:spTree>
     <p:extLst>
       <p:ext uri="{BB962C8B-B14F-4D97-AF65-F5344CB8AC3E}">
-        <p14:creationId xmlns:p14="http://schemas.microsoft.com/office/powerpoint/2010/main" val="3337047877"/>
+        <p14:creationId xmlns:p14="http://schemas.microsoft.com/office/powerpoint/2010/main" val="2717489710"/>
       </p:ext>
     </p:extLst>
   </p:cSld>
@@ -2470,7 +2470,7 @@
           <p:cNvPr id="2" name="标题 1">
             <a:extLst>
               <a:ext uri="{FF2B5EF4-FFF2-40B4-BE49-F238E27FC236}">
-                <a16:creationId xmlns:a16="http://schemas.microsoft.com/office/drawing/2014/main" id="{2642C35B-9F34-7A4B-0B85-840F1D431263}"/>
+                <a16:creationId xmlns:a16="http://schemas.microsoft.com/office/drawing/2014/main" id="{DF266347-5C6E-8B98-B133-E63BDD406BBC}"/>
               </a:ext>
             </a:extLst>
           </p:cNvPr>
@@ -2507,7 +2507,7 @@
           <p:cNvPr id="3" name="图片占位符 2">
             <a:extLst>
               <a:ext uri="{FF2B5EF4-FFF2-40B4-BE49-F238E27FC236}">
-                <a16:creationId xmlns:a16="http://schemas.microsoft.com/office/drawing/2014/main" id="{93F75BEE-EFE2-4E58-8957-B48B888FA4A3}"/>
+                <a16:creationId xmlns:a16="http://schemas.microsoft.com/office/drawing/2014/main" id="{9E9834B1-7208-6451-7948-E7E7D232FBE0}"/>
               </a:ext>
             </a:extLst>
           </p:cNvPr>
@@ -2574,7 +2574,7 @@
           <p:cNvPr id="4" name="文本占位符 3">
             <a:extLst>
               <a:ext uri="{FF2B5EF4-FFF2-40B4-BE49-F238E27FC236}">
-                <a16:creationId xmlns:a16="http://schemas.microsoft.com/office/drawing/2014/main" id="{21E01107-AA38-482B-FF2E-97DCD5219A86}"/>
+                <a16:creationId xmlns:a16="http://schemas.microsoft.com/office/drawing/2014/main" id="{9C0345E6-36E3-94A0-EE64-823696B5E082}"/>
               </a:ext>
             </a:extLst>
           </p:cNvPr>
@@ -2645,7 +2645,7 @@
           <p:cNvPr id="5" name="日期占位符 4">
             <a:extLst>
               <a:ext uri="{FF2B5EF4-FFF2-40B4-BE49-F238E27FC236}">
-                <a16:creationId xmlns:a16="http://schemas.microsoft.com/office/drawing/2014/main" id="{519095EB-0B53-F0F8-E72A-7F3DA6704962}"/>
+                <a16:creationId xmlns:a16="http://schemas.microsoft.com/office/drawing/2014/main" id="{1899B6B2-80AB-B42A-E274-2436597D3890}"/>
               </a:ext>
             </a:extLst>
           </p:cNvPr>
@@ -2661,7 +2661,7 @@
           <a:bodyPr/>
           <a:lstStyle/>
           <a:p>
-            <a:fld id="{FA5BC893-9608-4FE7-914A-5FF2508BD498}" type="datetimeFigureOut">
+            <a:fld id="{C341124C-42E3-460A-8733-7BC2852FE90F}" type="datetimeFigureOut">
               <a:rPr lang="zh-CN" altLang="en-US" smtClean="0"/>
               <a:t>2024/3/10</a:t>
             </a:fld>
@@ -2674,7 +2674,7 @@
           <p:cNvPr id="6" name="页脚占位符 5">
             <a:extLst>
               <a:ext uri="{FF2B5EF4-FFF2-40B4-BE49-F238E27FC236}">
-                <a16:creationId xmlns:a16="http://schemas.microsoft.com/office/drawing/2014/main" id="{FB055EBD-6C28-9BBA-B1C1-EA5FCD053904}"/>
+                <a16:creationId xmlns:a16="http://schemas.microsoft.com/office/drawing/2014/main" id="{F11AAC21-7DF0-9650-A928-037146434FA5}"/>
               </a:ext>
             </a:extLst>
           </p:cNvPr>
@@ -2699,7 +2699,7 @@
           <p:cNvPr id="7" name="灯片编号占位符 6">
             <a:extLst>
               <a:ext uri="{FF2B5EF4-FFF2-40B4-BE49-F238E27FC236}">
-                <a16:creationId xmlns:a16="http://schemas.microsoft.com/office/drawing/2014/main" id="{4CE12E24-06C3-005E-D6EF-0899C72C2780}"/>
+                <a16:creationId xmlns:a16="http://schemas.microsoft.com/office/drawing/2014/main" id="{E18490D8-B0E1-6A48-4BF8-32E64D0B00F7}"/>
               </a:ext>
             </a:extLst>
           </p:cNvPr>
@@ -2715,7 +2715,7 @@
           <a:bodyPr/>
           <a:lstStyle/>
           <a:p>
-            <a:fld id="{1368F7DB-D74A-469E-94D0-207BDA1A6EC2}" type="slidenum">
+            <a:fld id="{09AA380E-8BF5-4416-896F-B60F6CE78975}" type="slidenum">
               <a:rPr lang="zh-CN" altLang="en-US" smtClean="0"/>
               <a:t>‹#›</a:t>
             </a:fld>
@@ -2726,7 +2726,7 @@
     </p:spTree>
     <p:extLst>
       <p:ext uri="{BB962C8B-B14F-4D97-AF65-F5344CB8AC3E}">
-        <p14:creationId xmlns:p14="http://schemas.microsoft.com/office/powerpoint/2010/main" val="235183310"/>
+        <p14:creationId xmlns:p14="http://schemas.microsoft.com/office/powerpoint/2010/main" val="541713882"/>
       </p:ext>
     </p:extLst>
   </p:cSld>
@@ -2763,7 +2763,7 @@
           <p:cNvPr id="2" name="标题占位符 1">
             <a:extLst>
               <a:ext uri="{FF2B5EF4-FFF2-40B4-BE49-F238E27FC236}">
-                <a16:creationId xmlns:a16="http://schemas.microsoft.com/office/drawing/2014/main" id="{E721C6B8-791F-F254-1EF1-BF36B5F71AAF}"/>
+                <a16:creationId xmlns:a16="http://schemas.microsoft.com/office/drawing/2014/main" id="{FB085864-6B22-E2FC-0904-A2DB9CC977A5}"/>
               </a:ext>
             </a:extLst>
           </p:cNvPr>
@@ -2801,7 +2801,7 @@
           <p:cNvPr id="3" name="文本占位符 2">
             <a:extLst>
               <a:ext uri="{FF2B5EF4-FFF2-40B4-BE49-F238E27FC236}">
-                <a16:creationId xmlns:a16="http://schemas.microsoft.com/office/drawing/2014/main" id="{3FE17135-CB46-49B1-4A7E-422E3076B061}"/>
+                <a16:creationId xmlns:a16="http://schemas.microsoft.com/office/drawing/2014/main" id="{EBB74879-3D29-6ECD-AC40-40CE68CB2D1A}"/>
               </a:ext>
             </a:extLst>
           </p:cNvPr>
@@ -2868,7 +2868,7 @@
           <p:cNvPr id="4" name="日期占位符 3">
             <a:extLst>
               <a:ext uri="{FF2B5EF4-FFF2-40B4-BE49-F238E27FC236}">
-                <a16:creationId xmlns:a16="http://schemas.microsoft.com/office/drawing/2014/main" id="{127758CB-F63E-2F0F-C9AC-7DBD1D79870D}"/>
+                <a16:creationId xmlns:a16="http://schemas.microsoft.com/office/drawing/2014/main" id="{8D1E4FC8-23E0-2C6C-4B49-A0C649FDCB61}"/>
               </a:ext>
             </a:extLst>
           </p:cNvPr>
@@ -2902,7 +2902,7 @@
             </a:lvl1pPr>
           </a:lstStyle>
           <a:p>
-            <a:fld id="{FA5BC893-9608-4FE7-914A-5FF2508BD498}" type="datetimeFigureOut">
+            <a:fld id="{C341124C-42E3-460A-8733-7BC2852FE90F}" type="datetimeFigureOut">
               <a:rPr lang="zh-CN" altLang="en-US" smtClean="0"/>
               <a:t>2024/3/10</a:t>
             </a:fld>
@@ -2915,7 +2915,7 @@
           <p:cNvPr id="5" name="页脚占位符 4">
             <a:extLst>
               <a:ext uri="{FF2B5EF4-FFF2-40B4-BE49-F238E27FC236}">
-                <a16:creationId xmlns:a16="http://schemas.microsoft.com/office/drawing/2014/main" id="{61F77248-1235-2F48-45C8-57A59CEC56B1}"/>
+                <a16:creationId xmlns:a16="http://schemas.microsoft.com/office/drawing/2014/main" id="{9FD3C480-B560-66D1-E703-D33906A76F74}"/>
               </a:ext>
             </a:extLst>
           </p:cNvPr>
@@ -2958,7 +2958,7 @@
           <p:cNvPr id="6" name="灯片编号占位符 5">
             <a:extLst>
               <a:ext uri="{FF2B5EF4-FFF2-40B4-BE49-F238E27FC236}">
-                <a16:creationId xmlns:a16="http://schemas.microsoft.com/office/drawing/2014/main" id="{A7FC3257-5E2E-A8D3-EC0B-39F3713DC847}"/>
+                <a16:creationId xmlns:a16="http://schemas.microsoft.com/office/drawing/2014/main" id="{56753A6A-28F3-7B7E-33EA-87C0E9D852DA}"/>
               </a:ext>
             </a:extLst>
           </p:cNvPr>
@@ -2992,7 +2992,7 @@
             </a:lvl1pPr>
           </a:lstStyle>
           <a:p>
-            <a:fld id="{1368F7DB-D74A-469E-94D0-207BDA1A6EC2}" type="slidenum">
+            <a:fld id="{09AA380E-8BF5-4416-896F-B60F6CE78975}" type="slidenum">
               <a:rPr lang="zh-CN" altLang="en-US" smtClean="0"/>
               <a:t>‹#›</a:t>
             </a:fld>
@@ -3003,7 +3003,7 @@
     </p:spTree>
     <p:extLst>
       <p:ext uri="{BB962C8B-B14F-4D97-AF65-F5344CB8AC3E}">
-        <p14:creationId xmlns:p14="http://schemas.microsoft.com/office/powerpoint/2010/main" val="152498124"/>
+        <p14:creationId xmlns:p14="http://schemas.microsoft.com/office/powerpoint/2010/main" val="243736991"/>
       </p:ext>
     </p:extLst>
   </p:cSld>
